--- a/Porting Workshop.pptx
+++ b/Porting Workshop.pptx
@@ -6,7 +6,7 @@
   </p:sldMasterIdLst>
   <p:sldIdLst>
     <p:sldId id="256" r:id="rId2"/>
-    <p:sldId id="257" r:id="rId3"/>
+    <p:sldId id="273" r:id="rId3"/>
     <p:sldId id="258" r:id="rId4"/>
     <p:sldId id="260" r:id="rId5"/>
     <p:sldId id="259" r:id="rId6"/>
@@ -126,7 +126,7 @@
         <p14:section name="Default Section" id="{635A2081-00B1-45E0-9E45-427013DD3FBD}">
           <p14:sldIdLst>
             <p14:sldId id="256"/>
-            <p14:sldId id="257"/>
+            <p14:sldId id="273"/>
             <p14:sldId id="258"/>
             <p14:sldId id="260"/>
             <p14:sldId id="259"/>
@@ -382,7 +382,7 @@
           <a:p>
             <a:fld id="{FEE0BAE2-7348-4F50-975D-2560D6809E86}" type="datetimeFigureOut">
               <a:rPr lang="en-US" smtClean="0"/>
-              <a:t>4/30/2014</a:t>
+              <a:t>5/28/2014</a:t>
             </a:fld>
             <a:endParaRPr lang="en-US"/>
           </a:p>
@@ -716,7 +716,7 @@
           <a:p>
             <a:fld id="{FEE0BAE2-7348-4F50-975D-2560D6809E86}" type="datetimeFigureOut">
               <a:rPr lang="en-US" smtClean="0"/>
-              <a:t>4/30/2014</a:t>
+              <a:t>5/28/2014</a:t>
             </a:fld>
             <a:endParaRPr lang="en-US"/>
           </a:p>
@@ -994,7 +994,7 @@
           <a:p>
             <a:fld id="{FEE0BAE2-7348-4F50-975D-2560D6809E86}" type="datetimeFigureOut">
               <a:rPr lang="en-US" smtClean="0"/>
-              <a:t>4/30/2014</a:t>
+              <a:t>5/28/2014</a:t>
             </a:fld>
             <a:endParaRPr lang="en-US"/>
           </a:p>
@@ -1562,7 +1562,7 @@
           <a:p>
             <a:fld id="{FEE0BAE2-7348-4F50-975D-2560D6809E86}" type="datetimeFigureOut">
               <a:rPr lang="en-US" smtClean="0"/>
-              <a:t>4/30/2014</a:t>
+              <a:t>5/28/2014</a:t>
             </a:fld>
             <a:endParaRPr lang="en-US"/>
           </a:p>
@@ -1840,7 +1840,7 @@
           <a:p>
             <a:fld id="{FEE0BAE2-7348-4F50-975D-2560D6809E86}" type="datetimeFigureOut">
               <a:rPr lang="en-US" smtClean="0"/>
-              <a:t>4/30/2014</a:t>
+              <a:t>5/28/2014</a:t>
             </a:fld>
             <a:endParaRPr lang="en-US"/>
           </a:p>
@@ -2402,7 +2402,7 @@
           <a:p>
             <a:fld id="{FEE0BAE2-7348-4F50-975D-2560D6809E86}" type="datetimeFigureOut">
               <a:rPr lang="en-US" smtClean="0"/>
-              <a:t>4/30/2014</a:t>
+              <a:t>5/28/2014</a:t>
             </a:fld>
             <a:endParaRPr lang="en-US"/>
           </a:p>
@@ -2729,7 +2729,7 @@
           <a:p>
             <a:fld id="{FEE0BAE2-7348-4F50-975D-2560D6809E86}" type="datetimeFigureOut">
               <a:rPr lang="en-US" smtClean="0"/>
-              <a:t>4/30/2014</a:t>
+              <a:t>5/28/2014</a:t>
             </a:fld>
             <a:endParaRPr lang="en-US"/>
           </a:p>
@@ -2906,7 +2906,7 @@
           <a:p>
             <a:fld id="{FEE0BAE2-7348-4F50-975D-2560D6809E86}" type="datetimeFigureOut">
               <a:rPr lang="en-US" smtClean="0"/>
-              <a:t>4/30/2014</a:t>
+              <a:t>5/28/2014</a:t>
             </a:fld>
             <a:endParaRPr lang="en-US"/>
           </a:p>
@@ -3144,7 +3144,7 @@
           <a:p>
             <a:fld id="{FEE0BAE2-7348-4F50-975D-2560D6809E86}" type="datetimeFigureOut">
               <a:rPr lang="en-US" smtClean="0"/>
-              <a:t>4/30/2014</a:t>
+              <a:t>5/28/2014</a:t>
             </a:fld>
             <a:endParaRPr lang="en-US"/>
           </a:p>
@@ -3344,7 +3344,7 @@
           <a:p>
             <a:fld id="{FEE0BAE2-7348-4F50-975D-2560D6809E86}" type="datetimeFigureOut">
               <a:rPr lang="en-US" smtClean="0"/>
-              <a:t>4/30/2014</a:t>
+              <a:t>5/28/2014</a:t>
             </a:fld>
             <a:endParaRPr lang="en-US"/>
           </a:p>
@@ -3620,7 +3620,7 @@
           <a:p>
             <a:fld id="{FEE0BAE2-7348-4F50-975D-2560D6809E86}" type="datetimeFigureOut">
               <a:rPr lang="en-US" smtClean="0"/>
-              <a:t>4/30/2014</a:t>
+              <a:t>5/28/2014</a:t>
             </a:fld>
             <a:endParaRPr lang="en-US"/>
           </a:p>
@@ -3886,7 +3886,7 @@
           <a:p>
             <a:fld id="{FEE0BAE2-7348-4F50-975D-2560D6809E86}" type="datetimeFigureOut">
               <a:rPr lang="en-US" smtClean="0"/>
-              <a:t>4/30/2014</a:t>
+              <a:t>5/28/2014</a:t>
             </a:fld>
             <a:endParaRPr lang="en-US"/>
           </a:p>
@@ -4260,7 +4260,7 @@
           <a:p>
             <a:fld id="{FEE0BAE2-7348-4F50-975D-2560D6809E86}" type="datetimeFigureOut">
               <a:rPr lang="en-US" smtClean="0"/>
-              <a:t>4/30/2014</a:t>
+              <a:t>5/28/2014</a:t>
             </a:fld>
             <a:endParaRPr lang="en-US"/>
           </a:p>
@@ -4408,7 +4408,7 @@
           <a:p>
             <a:fld id="{FEE0BAE2-7348-4F50-975D-2560D6809E86}" type="datetimeFigureOut">
               <a:rPr lang="en-US" smtClean="0"/>
-              <a:t>4/30/2014</a:t>
+              <a:t>5/28/2014</a:t>
             </a:fld>
             <a:endParaRPr lang="en-US"/>
           </a:p>
@@ -4533,7 +4533,7 @@
           <a:p>
             <a:fld id="{FEE0BAE2-7348-4F50-975D-2560D6809E86}" type="datetimeFigureOut">
               <a:rPr lang="en-US" smtClean="0"/>
-              <a:t>4/30/2014</a:t>
+              <a:t>5/28/2014</a:t>
             </a:fld>
             <a:endParaRPr lang="en-US"/>
           </a:p>
@@ -4818,7 +4818,7 @@
           <a:p>
             <a:fld id="{FEE0BAE2-7348-4F50-975D-2560D6809E86}" type="datetimeFigureOut">
               <a:rPr lang="en-US" smtClean="0"/>
-              <a:t>4/30/2014</a:t>
+              <a:t>5/28/2014</a:t>
             </a:fld>
             <a:endParaRPr lang="en-US"/>
           </a:p>
@@ -5142,7 +5142,7 @@
           <a:p>
             <a:fld id="{FEE0BAE2-7348-4F50-975D-2560D6809E86}" type="datetimeFigureOut">
               <a:rPr lang="en-US" smtClean="0"/>
-              <a:t>4/30/2014</a:t>
+              <a:t>5/28/2014</a:t>
             </a:fld>
             <a:endParaRPr lang="en-US"/>
           </a:p>
@@ -5356,7 +5356,7 @@
           <a:p>
             <a:fld id="{FEE0BAE2-7348-4F50-975D-2560D6809E86}" type="datetimeFigureOut">
               <a:rPr lang="en-US" smtClean="0"/>
-              <a:t>4/30/2014</a:t>
+              <a:t>5/28/2014</a:t>
             </a:fld>
             <a:endParaRPr lang="en-US"/>
           </a:p>
@@ -5949,6 +5949,13 @@
   <p:clrMapOvr>
     <a:masterClrMapping/>
   </p:clrMapOvr>
+  <p:timing>
+    <p:tnLst>
+      <p:par>
+        <p:cTn id="1" dur="indefinite" restart="never" nodeType="tmRoot"/>
+      </p:par>
+    </p:tnLst>
+  </p:timing>
 </p:sld>
 </file>
 
@@ -8080,131 +8087,254 @@
       </p:grpSpPr>
       <p:sp>
         <p:nvSpPr>
-          <p:cNvPr id="2" name="Rectangle 1"/>
-          <p:cNvSpPr/>
-          <p:nvPr/>
-        </p:nvSpPr>
-        <p:spPr>
-          <a:xfrm>
-            <a:off x="809274" y="991465"/>
-            <a:ext cx="2348720" cy="584775"/>
-          </a:xfrm>
-          <a:prstGeom prst="rect">
-            <a:avLst/>
-          </a:prstGeom>
-        </p:spPr>
-        <p:txBody>
-          <a:bodyPr wrap="none">
-            <a:spAutoFit/>
+          <p:cNvPr id="2" name="Title 1"/>
+          <p:cNvSpPr>
+            <a:spLocks noGrp="1"/>
+          </p:cNvSpPr>
+          <p:nvPr>
+            <p:ph type="title"/>
+          </p:nvPr>
+        </p:nvSpPr>
+        <p:spPr/>
+        <p:txBody>
+          <a:bodyPr/>
+          <a:lstStyle/>
+          <a:p>
+            <a:r>
+              <a:rPr lang="en-US" b="1" dirty="0">
+                <a:solidFill>
+                  <a:prstClr val="white"/>
+                </a:solidFill>
+                <a:latin typeface="Segoe UI Light" panose="020B0502040204020203" pitchFamily="34" charset="0"/>
+                <a:cs typeface="Segoe UI Light" panose="020B0502040204020203" pitchFamily="34" charset="0"/>
+              </a:rPr>
+              <a:t>Michael Cummings</a:t>
+            </a:r>
+            <a:br>
+              <a:rPr lang="en-US" b="1" dirty="0">
+                <a:solidFill>
+                  <a:prstClr val="white"/>
+                </a:solidFill>
+                <a:latin typeface="Segoe UI Light" panose="020B0502040204020203" pitchFamily="34" charset="0"/>
+                <a:cs typeface="Segoe UI Light" panose="020B0502040204020203" pitchFamily="34" charset="0"/>
+              </a:rPr>
+            </a:br>
+            <a:endParaRPr lang="en-US" dirty="0"/>
+          </a:p>
+        </p:txBody>
+      </p:sp>
+      <p:sp>
+        <p:nvSpPr>
+          <p:cNvPr id="3" name="Content Placeholder 2"/>
+          <p:cNvSpPr>
+            <a:spLocks noGrp="1"/>
+          </p:cNvSpPr>
+          <p:nvPr>
+            <p:ph idx="1"/>
+          </p:nvPr>
+        </p:nvSpPr>
+        <p:spPr>
+          <a:xfrm>
+            <a:off x="1141413" y="1897811"/>
+            <a:ext cx="6165162" cy="3893390"/>
+          </a:xfrm>
+        </p:spPr>
+        <p:txBody>
+          <a:bodyPr>
+            <a:noAutofit/>
           </a:bodyPr>
           <a:lstStyle/>
           <a:p>
-            <a:r>
-              <a:rPr lang="en-US" sz="3200" dirty="0" smtClean="0"/>
-              <a:t>Who Am I?</a:t>
-            </a:r>
-            <a:endParaRPr lang="en-US" sz="3200" dirty="0"/>
-          </a:p>
-        </p:txBody>
-      </p:sp>
-      <p:sp>
-        <p:nvSpPr>
-          <p:cNvPr id="3" name="Rectangle 2"/>
-          <p:cNvSpPr/>
-          <p:nvPr/>
-        </p:nvSpPr>
-        <p:spPr>
-          <a:xfrm>
-            <a:off x="809274" y="1747344"/>
-            <a:ext cx="6096000" cy="3416320"/>
-          </a:xfrm>
-          <a:prstGeom prst="rect">
-            <a:avLst/>
-          </a:prstGeom>
-        </p:spPr>
-        <p:txBody>
-          <a:bodyPr>
-            <a:spAutoFit/>
-          </a:bodyPr>
-          <a:lstStyle/>
-          <a:p>
-            <a:r>
-              <a:rPr lang="en-US" dirty="0" smtClean="0"/>
-              <a:t>David Crook</a:t>
-            </a:r>
-          </a:p>
-          <a:p>
-            <a:r>
-              <a:rPr lang="en-US" dirty="0" smtClean="0"/>
-              <a:t>Technical Evangelist for Microsoft</a:t>
-            </a:r>
-          </a:p>
-          <a:p>
-            <a:r>
-              <a:rPr lang="en-US" dirty="0" smtClean="0"/>
-              <a:t>Focus on Game and App Development Communities</a:t>
-            </a:r>
-          </a:p>
-          <a:p>
-            <a:r>
-              <a:rPr lang="en-US" dirty="0" smtClean="0"/>
-              <a:t>Background in Enterprise Consulting and Game Development</a:t>
-            </a:r>
-          </a:p>
-          <a:p>
-            <a:r>
-              <a:rPr lang="en-US" dirty="0" smtClean="0"/>
-              <a:t>Hobbies: Brewing Beer, Brazilian Jiu </a:t>
-            </a:r>
-            <a:r>
-              <a:rPr lang="en-US" dirty="0" err="1" smtClean="0"/>
-              <a:t>Jitsu</a:t>
-            </a:r>
-            <a:endParaRPr lang="en-US" dirty="0" smtClean="0"/>
-          </a:p>
-          <a:p>
-            <a:endParaRPr lang="en-US" dirty="0" smtClean="0"/>
-          </a:p>
-          <a:p>
-            <a:r>
-              <a:rPr lang="en-US" dirty="0" smtClean="0"/>
-              <a:t>Email: </a:t>
+            <a:pPr marL="0" indent="0" defTabSz="457200">
+              <a:lnSpc>
+                <a:spcPct val="100000"/>
+              </a:lnSpc>
+              <a:spcBef>
+                <a:spcPts val="0"/>
+              </a:spcBef>
+              <a:buSzTx/>
+              <a:buNone/>
+            </a:pPr>
+            <a:r>
+              <a:rPr lang="en-US" dirty="0">
+                <a:latin typeface="Segoe UI" panose="020B0502040204020203" pitchFamily="34" charset="0"/>
+                <a:cs typeface="Segoe UI" panose="020B0502040204020203" pitchFamily="34" charset="0"/>
+              </a:rPr>
+              <a:t>Michael Cummings is a Microsoft Developer Evangelist for </a:t>
             </a:r>
             <a:r>
               <a:rPr lang="en-US" dirty="0" smtClean="0">
-                <a:hlinkClick r:id="rId2"/>
+                <a:latin typeface="Segoe UI" panose="020B0502040204020203" pitchFamily="34" charset="0"/>
+                <a:cs typeface="Segoe UI" panose="020B0502040204020203" pitchFamily="34" charset="0"/>
               </a:rPr>
-              <a:t>dacrook@Microsoft.com</a:t>
-            </a:r>
-            <a:endParaRPr lang="en-US" dirty="0" smtClean="0"/>
-          </a:p>
-          <a:p>
-            <a:r>
-              <a:rPr lang="en-US" dirty="0" smtClean="0"/>
-              <a:t>Twitter: @DavidCrook1988</a:t>
-            </a:r>
-          </a:p>
-          <a:p>
-            <a:r>
-              <a:rPr lang="en-US" dirty="0" smtClean="0"/>
-              <a:t>Skype: DavidCrook1234</a:t>
-            </a:r>
-          </a:p>
-          <a:p>
-            <a:r>
-              <a:rPr lang="en-US" dirty="0" smtClean="0"/>
-              <a:t>Web Site: </a:t>
+              <a:t>Maine, New Hampshire, Vermont, New York, Massachusetts, Rhode Island and Connecticut.  Talk to him about initiatives around </a:t>
+            </a:r>
+            <a:r>
+              <a:rPr lang="en-US" dirty="0" err="1" smtClean="0">
+                <a:latin typeface="Segoe UI" panose="020B0502040204020203" pitchFamily="34" charset="0"/>
+                <a:cs typeface="Segoe UI" panose="020B0502040204020203" pitchFamily="34" charset="0"/>
+              </a:rPr>
+              <a:t>BizSpark</a:t>
             </a:r>
             <a:r>
               <a:rPr lang="en-US" dirty="0" smtClean="0">
-                <a:hlinkClick r:id="rId3"/>
+                <a:latin typeface="Segoe UI" panose="020B0502040204020203" pitchFamily="34" charset="0"/>
+                <a:cs typeface="Segoe UI" panose="020B0502040204020203" pitchFamily="34" charset="0"/>
               </a:rPr>
-              <a:t>www.IndieDevSpot.com</a:t>
-            </a:r>
-            <a:r>
-              <a:rPr lang="en-US" dirty="0" smtClean="0"/>
-              <a:t> </a:t>
-            </a:r>
+              <a:t>, Azure, Windows Phone, and Windows 8 in New </a:t>
+            </a:r>
+            <a:r>
+              <a:rPr lang="en-US" dirty="0">
+                <a:latin typeface="Segoe UI" panose="020B0502040204020203" pitchFamily="34" charset="0"/>
+                <a:cs typeface="Segoe UI" panose="020B0502040204020203" pitchFamily="34" charset="0"/>
+              </a:rPr>
+              <a:t>England</a:t>
+            </a:r>
+            <a:r>
+              <a:rPr lang="en-US" dirty="0" smtClean="0">
+                <a:latin typeface="Segoe UI" panose="020B0502040204020203" pitchFamily="34" charset="0"/>
+                <a:cs typeface="Segoe UI" panose="020B0502040204020203" pitchFamily="34" charset="0"/>
+              </a:rPr>
+              <a:t>.</a:t>
+            </a:r>
+            <a:endParaRPr lang="en-US" dirty="0">
+              <a:latin typeface="Segoe UI" panose="020B0502040204020203" pitchFamily="34" charset="0"/>
+              <a:cs typeface="Segoe UI" panose="020B0502040204020203" pitchFamily="34" charset="0"/>
+            </a:endParaRPr>
+          </a:p>
+          <a:p>
+            <a:pPr marL="0" lvl="0" indent="0" defTabSz="457200">
+              <a:lnSpc>
+                <a:spcPct val="100000"/>
+              </a:lnSpc>
+              <a:spcBef>
+                <a:spcPts val="0"/>
+              </a:spcBef>
+              <a:buSzTx/>
+              <a:buNone/>
+            </a:pPr>
+            <a:endParaRPr lang="en-US" dirty="0" smtClean="0">
+              <a:solidFill>
+                <a:prstClr val="white"/>
+              </a:solidFill>
+            </a:endParaRPr>
+          </a:p>
+          <a:p>
+            <a:pPr marL="0" lvl="0" indent="0" defTabSz="754380">
+              <a:lnSpc>
+                <a:spcPct val="100000"/>
+              </a:lnSpc>
+              <a:spcBef>
+                <a:spcPts val="0"/>
+              </a:spcBef>
+              <a:buSzTx/>
+              <a:buNone/>
+            </a:pPr>
+            <a:r>
+              <a:rPr lang="en-US" dirty="0">
+                <a:latin typeface="Segoe UI" panose="020B0502040204020203" pitchFamily="34" charset="0"/>
+                <a:cs typeface="Segoe UI" panose="020B0502040204020203" pitchFamily="34" charset="0"/>
+              </a:rPr>
+              <a:t>Phone: 781-373-8636</a:t>
+            </a:r>
+          </a:p>
+          <a:p>
+            <a:pPr marL="0" lvl="0" indent="0" defTabSz="754380">
+              <a:lnSpc>
+                <a:spcPct val="100000"/>
+              </a:lnSpc>
+              <a:spcBef>
+                <a:spcPts val="0"/>
+              </a:spcBef>
+              <a:buSzTx/>
+              <a:buNone/>
+            </a:pPr>
+            <a:r>
+              <a:rPr lang="en-US" dirty="0">
+                <a:latin typeface="Segoe UI" panose="020B0502040204020203" pitchFamily="34" charset="0"/>
+                <a:cs typeface="Segoe UI" panose="020B0502040204020203" pitchFamily="34" charset="0"/>
+              </a:rPr>
+              <a:t>Email: cummings.michael@microsoft.com</a:t>
+            </a:r>
+          </a:p>
+          <a:p>
+            <a:pPr marL="0" lvl="0" indent="0" defTabSz="754380">
+              <a:lnSpc>
+                <a:spcPct val="100000"/>
+              </a:lnSpc>
+              <a:spcBef>
+                <a:spcPts val="0"/>
+              </a:spcBef>
+              <a:buSzTx/>
+              <a:buNone/>
+            </a:pPr>
+            <a:r>
+              <a:rPr lang="en-US" dirty="0">
+                <a:latin typeface="Segoe UI" panose="020B0502040204020203" pitchFamily="34" charset="0"/>
+                <a:cs typeface="Segoe UI" panose="020B0502040204020203" pitchFamily="34" charset="0"/>
+              </a:rPr>
+              <a:t>Web: michaelcummings.net</a:t>
+            </a:r>
+          </a:p>
+          <a:p>
+            <a:pPr marL="0" lvl="0" indent="0" defTabSz="754380">
+              <a:lnSpc>
+                <a:spcPct val="100000"/>
+              </a:lnSpc>
+              <a:spcBef>
+                <a:spcPts val="0"/>
+              </a:spcBef>
+              <a:buSzTx/>
+              <a:buNone/>
+            </a:pPr>
+            <a:r>
+              <a:rPr lang="en-US" dirty="0">
+                <a:latin typeface="Segoe UI" panose="020B0502040204020203" pitchFamily="34" charset="0"/>
+                <a:cs typeface="Segoe UI" panose="020B0502040204020203" pitchFamily="34" charset="0"/>
+              </a:rPr>
+              <a:t>Twitter: @</a:t>
+            </a:r>
+            <a:r>
+              <a:rPr lang="en-US" dirty="0" err="1" smtClean="0">
+                <a:latin typeface="Segoe UI" panose="020B0502040204020203" pitchFamily="34" charset="0"/>
+                <a:cs typeface="Segoe UI" panose="020B0502040204020203" pitchFamily="34" charset="0"/>
+              </a:rPr>
+              <a:t>mcummings</a:t>
+            </a:r>
+            <a:endParaRPr lang="en-US" dirty="0" smtClean="0">
+              <a:latin typeface="Segoe UI" panose="020B0502040204020203" pitchFamily="34" charset="0"/>
+              <a:cs typeface="Segoe UI" panose="020B0502040204020203" pitchFamily="34" charset="0"/>
+            </a:endParaRPr>
+          </a:p>
+          <a:p>
+            <a:pPr marL="0" lvl="0" indent="0" defTabSz="754380">
+              <a:lnSpc>
+                <a:spcPct val="100000"/>
+              </a:lnSpc>
+              <a:spcBef>
+                <a:spcPts val="0"/>
+              </a:spcBef>
+              <a:buSzTx/>
+              <a:buNone/>
+            </a:pPr>
+            <a:r>
+              <a:rPr lang="en-US" dirty="0" smtClean="0">
+                <a:latin typeface="Segoe UI" panose="020B0502040204020203" pitchFamily="34" charset="0"/>
+                <a:cs typeface="Segoe UI" panose="020B0502040204020203" pitchFamily="34" charset="0"/>
+              </a:rPr>
+              <a:t>Skype: </a:t>
+            </a:r>
+            <a:r>
+              <a:rPr lang="en-US" dirty="0" err="1" smtClean="0">
+                <a:latin typeface="Segoe UI" panose="020B0502040204020203" pitchFamily="34" charset="0"/>
+                <a:cs typeface="Segoe UI" panose="020B0502040204020203" pitchFamily="34" charset="0"/>
+              </a:rPr>
+              <a:t>cummings.michael</a:t>
+            </a:r>
+            <a:endParaRPr lang="en-US" dirty="0">
+              <a:latin typeface="Segoe UI" panose="020B0502040204020203" pitchFamily="34" charset="0"/>
+              <a:cs typeface="Segoe UI" panose="020B0502040204020203" pitchFamily="34" charset="0"/>
+            </a:endParaRPr>
           </a:p>
         </p:txBody>
       </p:sp>
@@ -8217,15 +8347,45 @@
           <p:nvPr/>
         </p:nvPicPr>
         <p:blipFill>
-          <a:blip r:embed="rId4"/>
+          <a:blip r:embed="rId2"/>
           <a:stretch>
             <a:fillRect/>
           </a:stretch>
         </p:blipFill>
         <p:spPr>
           <a:xfrm>
-            <a:off x="7551134" y="542651"/>
-            <a:ext cx="3133725" cy="5181600"/>
+            <a:off x="7707881" y="618518"/>
+            <a:ext cx="3730071" cy="3369963"/>
+          </a:xfrm>
+          <a:prstGeom prst="rect">
+            <a:avLst/>
+          </a:prstGeom>
+        </p:spPr>
+      </p:pic>
+      <p:pic>
+        <p:nvPicPr>
+          <p:cNvPr id="7" name="Picture 6"/>
+          <p:cNvPicPr>
+            <a:picLocks noChangeAspect="1"/>
+          </p:cNvPicPr>
+          <p:nvPr/>
+        </p:nvPicPr>
+        <p:blipFill>
+          <a:blip r:embed="rId3">
+            <a:extLst>
+              <a:ext uri="{28A0092B-C50C-407E-A947-70E740481C1C}">
+                <a14:useLocalDpi xmlns:a14="http://schemas.microsoft.com/office/drawing/2010/main" val="0"/>
+              </a:ext>
+            </a:extLst>
+          </a:blip>
+          <a:stretch>
+            <a:fillRect/>
+          </a:stretch>
+        </p:blipFill>
+        <p:spPr>
+          <a:xfrm>
+            <a:off x="8252844" y="4097087"/>
+            <a:ext cx="2640144" cy="2640144"/>
           </a:xfrm>
           <a:prstGeom prst="rect">
             <a:avLst/>
@@ -8235,13 +8395,20 @@
     </p:spTree>
     <p:extLst>
       <p:ext uri="{BB962C8B-B14F-4D97-AF65-F5344CB8AC3E}">
-        <p14:creationId xmlns:p14="http://schemas.microsoft.com/office/powerpoint/2010/main" val="4131549272"/>
+        <p14:creationId xmlns:p14="http://schemas.microsoft.com/office/powerpoint/2010/main" val="4151136826"/>
       </p:ext>
     </p:extLst>
   </p:cSld>
   <p:clrMapOvr>
     <a:masterClrMapping/>
   </p:clrMapOvr>
+  <p:timing>
+    <p:tnLst>
+      <p:par>
+        <p:cTn id="1" dur="indefinite" restart="never" nodeType="tmRoot"/>
+      </p:par>
+    </p:tnLst>
+  </p:timing>
 </p:sld>
 </file>
 
@@ -8352,6 +8519,13 @@
   <p:clrMapOvr>
     <a:masterClrMapping/>
   </p:clrMapOvr>
+  <p:timing>
+    <p:tnLst>
+      <p:par>
+        <p:cTn id="1" dur="indefinite" restart="never" nodeType="tmRoot"/>
+      </p:par>
+    </p:tnLst>
+  </p:timing>
 </p:sld>
 </file>
 
@@ -8586,6 +8760,13 @@
   <p:clrMapOvr>
     <a:masterClrMapping/>
   </p:clrMapOvr>
+  <p:timing>
+    <p:tnLst>
+      <p:par>
+        <p:cTn id="1" dur="indefinite" restart="never" nodeType="tmRoot"/>
+      </p:par>
+    </p:tnLst>
+  </p:timing>
 </p:sld>
 </file>
 
@@ -8704,6 +8885,13 @@
   <p:clrMapOvr>
     <a:masterClrMapping/>
   </p:clrMapOvr>
+  <p:timing>
+    <p:tnLst>
+      <p:par>
+        <p:cTn id="1" dur="indefinite" restart="never" nodeType="tmRoot"/>
+      </p:par>
+    </p:tnLst>
+  </p:timing>
 </p:sld>
 </file>
 
@@ -8798,13 +8986,8 @@
             </a:r>
             <a:r>
               <a:rPr lang="en-US" dirty="0" smtClean="0"/>
-              <a:t> Party </a:t>
-            </a:r>
-            <a:r>
-              <a:rPr lang="en-US" dirty="0" smtClean="0"/>
-              <a:t>Plugins</a:t>
-            </a:r>
-            <a:endParaRPr lang="en-US" dirty="0" smtClean="0"/>
+              <a:t> Party Plugins</a:t>
+            </a:r>
           </a:p>
           <a:p>
             <a:pPr marL="342900" indent="-342900">
@@ -8812,15 +8995,7 @@
             </a:pPr>
             <a:r>
               <a:rPr lang="en-US" dirty="0" smtClean="0"/>
-              <a:t>Support the Platform (snap</a:t>
-            </a:r>
-            <a:r>
-              <a:rPr lang="en-US" dirty="0" smtClean="0"/>
-              <a:t>, switch to another app, share charm activated</a:t>
-            </a:r>
-            <a:r>
-              <a:rPr lang="en-US" dirty="0" smtClean="0"/>
-              <a:t>)</a:t>
+              <a:t>Support the Platform (snap, switch to another app, share charm activated)</a:t>
             </a:r>
           </a:p>
           <a:p>
@@ -8831,7 +9006,6 @@
               <a:rPr lang="en-US" dirty="0" smtClean="0"/>
               <a:t>Direct Communication</a:t>
             </a:r>
-            <a:endParaRPr lang="en-US" dirty="0" smtClean="0"/>
           </a:p>
           <a:p>
             <a:pPr marL="342900" indent="-342900">
